--- a/01.Lessions/02-Managing-tables/02-Managing-tables.pptx
+++ b/01.Lessions/02-Managing-tables/02-Managing-tables.pptx
@@ -876,7 +876,7 @@
           <a:p>
             <a:fld id="{C764DE79-268F-4C1A-8933-263129D2AF90}" type="datetimeFigureOut">
               <a:rPr lang="en-US" dirty="0"/>
-              <a:t>11/3/2023</a:t>
+              <a:t>11/14/2023</a:t>
             </a:fld>
             <a:endParaRPr lang="en-US" dirty="0"/>
           </a:p>
@@ -8415,17 +8415,7 @@
                   </a:schemeClr>
                 </a:solidFill>
               </a:rPr>
-              <a:t> </a:t>
-            </a:r>
-            <a:r>
-              <a:rPr lang="en-US" sz="3200" b="1" dirty="0" smtClean="0">
-                <a:solidFill>
-                  <a:schemeClr val="accent5">
-                    <a:lumMod val="75000"/>
-                  </a:schemeClr>
-                </a:solidFill>
-              </a:rPr>
-              <a:t>Table</a:t>
+              <a:t> Table</a:t>
             </a:r>
             <a:endParaRPr lang="en-US" sz="3200" b="1" dirty="0">
               <a:solidFill>
@@ -12860,7 +12850,7 @@
         <p:spPr>
           <a:xfrm>
             <a:off x="1318725" y="2668485"/>
-            <a:ext cx="6919928" cy="307777"/>
+            <a:ext cx="6919928" cy="338554"/>
           </a:xfrm>
           <a:prstGeom prst="rect">
             <a:avLst/>
@@ -12874,7 +12864,7 @@
           <a:lstStyle/>
           <a:p>
             <a:r>
-              <a:rPr lang="en-US" sz="1400" dirty="0" err="1" smtClean="0">
+              <a:rPr lang="en-US" sz="1600" dirty="0" err="1" smtClean="0">
                 <a:solidFill>
                   <a:schemeClr val="bg1"/>
                 </a:solidFill>
@@ -12882,7 +12872,7 @@
               <a:t>Hiểu</a:t>
             </a:r>
             <a:r>
-              <a:rPr lang="en-US" sz="1400" dirty="0" smtClean="0">
+              <a:rPr lang="en-US" sz="1600" dirty="0" smtClean="0">
                 <a:solidFill>
                   <a:schemeClr val="bg1"/>
                 </a:solidFill>
@@ -12890,7 +12880,7 @@
               <a:t> </a:t>
             </a:r>
             <a:r>
-              <a:rPr lang="en-US" sz="1400" dirty="0" err="1" smtClean="0">
+              <a:rPr lang="en-US" sz="1600" dirty="0" err="1" smtClean="0">
                 <a:solidFill>
                   <a:schemeClr val="bg1"/>
                 </a:solidFill>
@@ -12898,7 +12888,7 @@
               <a:t>thế</a:t>
             </a:r>
             <a:r>
-              <a:rPr lang="en-US" sz="1400" dirty="0" smtClean="0">
+              <a:rPr lang="en-US" sz="1600" dirty="0" smtClean="0">
                 <a:solidFill>
                   <a:schemeClr val="bg1"/>
                 </a:solidFill>
@@ -12906,7 +12896,7 @@
               <a:t> </a:t>
             </a:r>
             <a:r>
-              <a:rPr lang="en-US" sz="1400" dirty="0" err="1" smtClean="0">
+              <a:rPr lang="en-US" sz="1600" dirty="0" err="1" smtClean="0">
                 <a:solidFill>
                   <a:schemeClr val="bg1"/>
                 </a:solidFill>
@@ -12914,7 +12904,7 @@
               <a:t>nào</a:t>
             </a:r>
             <a:r>
-              <a:rPr lang="en-US" sz="1400" dirty="0" smtClean="0">
+              <a:rPr lang="en-US" sz="1600" dirty="0" smtClean="0">
                 <a:solidFill>
                   <a:schemeClr val="bg1"/>
                 </a:solidFill>
@@ -12922,7 +12912,7 @@
               <a:t> </a:t>
             </a:r>
             <a:r>
-              <a:rPr lang="en-US" sz="1400" dirty="0" err="1" smtClean="0">
+              <a:rPr lang="en-US" sz="1600" dirty="0" err="1" smtClean="0">
                 <a:solidFill>
                   <a:schemeClr val="bg1"/>
                 </a:solidFill>
@@ -12930,7 +12920,7 @@
               <a:t>là</a:t>
             </a:r>
             <a:r>
-              <a:rPr lang="en-US" sz="1400" dirty="0" smtClean="0">
+              <a:rPr lang="en-US" sz="1600" dirty="0" smtClean="0">
                 <a:solidFill>
                   <a:schemeClr val="bg1"/>
                 </a:solidFill>
@@ -12938,7 +12928,7 @@
               <a:t> </a:t>
             </a:r>
             <a:r>
-              <a:rPr lang="en-US" sz="1400" dirty="0" err="1" smtClean="0">
+              <a:rPr lang="en-US" sz="1600" dirty="0" err="1" smtClean="0">
                 <a:solidFill>
                   <a:schemeClr val="bg1"/>
                 </a:solidFill>
@@ -12946,7 +12936,7 @@
               <a:t>kiểu</a:t>
             </a:r>
             <a:r>
-              <a:rPr lang="en-US" sz="1400" dirty="0" smtClean="0">
+              <a:rPr lang="en-US" sz="1600" dirty="0" smtClean="0">
                 <a:solidFill>
                   <a:schemeClr val="bg1"/>
                 </a:solidFill>
@@ -12954,7 +12944,7 @@
               <a:t> </a:t>
             </a:r>
             <a:r>
-              <a:rPr lang="en-US" sz="1400" dirty="0" err="1" smtClean="0">
+              <a:rPr lang="en-US" sz="1600" dirty="0" err="1" smtClean="0">
                 <a:solidFill>
                   <a:schemeClr val="bg1"/>
                 </a:solidFill>
@@ -12962,7 +12952,7 @@
               <a:t>dữ</a:t>
             </a:r>
             <a:r>
-              <a:rPr lang="en-US" sz="1400" dirty="0" smtClean="0">
+              <a:rPr lang="en-US" sz="1600" dirty="0" smtClean="0">
                 <a:solidFill>
                   <a:schemeClr val="bg1"/>
                 </a:solidFill>
@@ -12970,7 +12960,7 @@
               <a:t> </a:t>
             </a:r>
             <a:r>
-              <a:rPr lang="en-US" sz="1400" dirty="0" err="1" smtClean="0">
+              <a:rPr lang="en-US" sz="1600" dirty="0" err="1" smtClean="0">
                 <a:solidFill>
                   <a:schemeClr val="bg1"/>
                 </a:solidFill>
@@ -12978,14 +12968,14 @@
               <a:t>liệu</a:t>
             </a:r>
             <a:r>
-              <a:rPr lang="en-US" sz="1400" dirty="0" smtClean="0">
+              <a:rPr lang="en-US" sz="1600" dirty="0" smtClean="0">
                 <a:solidFill>
                   <a:schemeClr val="bg1"/>
                 </a:solidFill>
               </a:rPr>
               <a:t> -  Data Types </a:t>
             </a:r>
-            <a:endParaRPr lang="en-US" sz="1400" dirty="0">
+            <a:endParaRPr lang="en-US" sz="1600" dirty="0">
               <a:solidFill>
                 <a:schemeClr val="bg1"/>
               </a:solidFill>
@@ -13054,7 +13044,7 @@
         <p:spPr>
           <a:xfrm>
             <a:off x="1318725" y="3499028"/>
-            <a:ext cx="6919928" cy="307777"/>
+            <a:ext cx="6919928" cy="338554"/>
           </a:xfrm>
           <a:prstGeom prst="rect">
             <a:avLst/>
@@ -13068,7 +13058,7 @@
           <a:lstStyle/>
           <a:p>
             <a:r>
-              <a:rPr lang="en-US" sz="1400" dirty="0" err="1" smtClean="0">
+              <a:rPr lang="en-US" sz="1600" dirty="0" err="1" smtClean="0">
                 <a:solidFill>
                   <a:schemeClr val="bg1"/>
                 </a:solidFill>
@@ -13076,7 +13066,7 @@
               <a:t>Hiểu</a:t>
             </a:r>
             <a:r>
-              <a:rPr lang="en-US" sz="1400" dirty="0" smtClean="0">
+              <a:rPr lang="en-US" sz="1600" dirty="0" smtClean="0">
                 <a:solidFill>
                   <a:schemeClr val="bg1"/>
                 </a:solidFill>
@@ -13084,7 +13074,7 @@
               <a:t> </a:t>
             </a:r>
             <a:r>
-              <a:rPr lang="en-US" sz="1400" dirty="0" err="1" smtClean="0">
+              <a:rPr lang="en-US" sz="1600" dirty="0" err="1" smtClean="0">
                 <a:solidFill>
                   <a:schemeClr val="bg1"/>
                 </a:solidFill>
@@ -13092,7 +13082,7 @@
               <a:t>đặc</a:t>
             </a:r>
             <a:r>
-              <a:rPr lang="en-US" sz="1400" dirty="0" smtClean="0">
+              <a:rPr lang="en-US" sz="1600" dirty="0" smtClean="0">
                 <a:solidFill>
                   <a:schemeClr val="bg1"/>
                 </a:solidFill>
@@ -13100,7 +13090,7 @@
               <a:t> </a:t>
             </a:r>
             <a:r>
-              <a:rPr lang="en-US" sz="1400" dirty="0" err="1" smtClean="0">
+              <a:rPr lang="en-US" sz="1600" dirty="0" err="1" smtClean="0">
                 <a:solidFill>
                   <a:schemeClr val="bg1"/>
                 </a:solidFill>
@@ -13108,7 +13098,7 @@
               <a:t>tính</a:t>
             </a:r>
             <a:r>
-              <a:rPr lang="en-US" sz="1400" dirty="0" smtClean="0">
+              <a:rPr lang="en-US" sz="1600" dirty="0" smtClean="0">
                 <a:solidFill>
                   <a:schemeClr val="bg1"/>
                 </a:solidFill>
@@ -13116,7 +13106,7 @@
               <a:t> </a:t>
             </a:r>
             <a:r>
-              <a:rPr lang="en-US" sz="1400" dirty="0" err="1" smtClean="0">
+              <a:rPr lang="en-US" sz="1600" dirty="0" err="1" smtClean="0">
                 <a:solidFill>
                   <a:schemeClr val="bg1"/>
                 </a:solidFill>
@@ -13124,7 +13114,7 @@
               <a:t>của</a:t>
             </a:r>
             <a:r>
-              <a:rPr lang="en-US" sz="1400" dirty="0" smtClean="0">
+              <a:rPr lang="en-US" sz="1600" dirty="0" smtClean="0">
                 <a:solidFill>
                   <a:schemeClr val="bg1"/>
                 </a:solidFill>
@@ -13132,7 +13122,7 @@
               <a:t> </a:t>
             </a:r>
             <a:r>
-              <a:rPr lang="en-US" sz="1400" dirty="0" err="1" smtClean="0">
+              <a:rPr lang="en-US" sz="1600" dirty="0" err="1" smtClean="0">
                 <a:solidFill>
                   <a:schemeClr val="bg1"/>
                 </a:solidFill>
@@ -13140,7 +13130,7 @@
               <a:t>mỗi</a:t>
             </a:r>
             <a:r>
-              <a:rPr lang="en-US" sz="1400" dirty="0" smtClean="0">
+              <a:rPr lang="en-US" sz="1600" dirty="0" smtClean="0">
                 <a:solidFill>
                   <a:schemeClr val="bg1"/>
                 </a:solidFill>
@@ -13148,7 +13138,7 @@
               <a:t> </a:t>
             </a:r>
             <a:r>
-              <a:rPr lang="en-US" sz="1400" dirty="0" err="1" smtClean="0">
+              <a:rPr lang="en-US" sz="1600" dirty="0" err="1" smtClean="0">
                 <a:solidFill>
                   <a:schemeClr val="bg1"/>
                 </a:solidFill>
@@ -13156,7 +13146,7 @@
               <a:t>loại</a:t>
             </a:r>
             <a:r>
-              <a:rPr lang="en-US" sz="1400" dirty="0" smtClean="0">
+              <a:rPr lang="en-US" sz="1600" dirty="0" smtClean="0">
                 <a:solidFill>
                   <a:schemeClr val="bg1"/>
                 </a:solidFill>
@@ -13164,7 +13154,7 @@
               <a:t> </a:t>
             </a:r>
             <a:r>
-              <a:rPr lang="en-US" sz="1400" dirty="0" err="1" smtClean="0">
+              <a:rPr lang="en-US" sz="1600" dirty="0" err="1" smtClean="0">
                 <a:solidFill>
                   <a:schemeClr val="bg1"/>
                 </a:solidFill>
@@ -13172,7 +13162,7 @@
               <a:t>kiểu</a:t>
             </a:r>
             <a:r>
-              <a:rPr lang="en-US" sz="1400" dirty="0" smtClean="0">
+              <a:rPr lang="en-US" sz="1600" dirty="0" smtClean="0">
                 <a:solidFill>
                   <a:schemeClr val="bg1"/>
                 </a:solidFill>
@@ -13180,7 +13170,7 @@
               <a:t> </a:t>
             </a:r>
             <a:r>
-              <a:rPr lang="en-US" sz="1400" dirty="0" err="1" smtClean="0">
+              <a:rPr lang="en-US" sz="1600" dirty="0" err="1" smtClean="0">
                 <a:solidFill>
                   <a:schemeClr val="bg1"/>
                 </a:solidFill>
@@ -13188,7 +13178,7 @@
               <a:t>dữ</a:t>
             </a:r>
             <a:r>
-              <a:rPr lang="en-US" sz="1400" dirty="0" smtClean="0">
+              <a:rPr lang="en-US" sz="1600" dirty="0" smtClean="0">
                 <a:solidFill>
                   <a:schemeClr val="bg1"/>
                 </a:solidFill>
@@ -13196,14 +13186,14 @@
               <a:t> </a:t>
             </a:r>
             <a:r>
-              <a:rPr lang="en-US" sz="1400" dirty="0" err="1" smtClean="0">
+              <a:rPr lang="en-US" sz="1600" dirty="0" err="1" smtClean="0">
                 <a:solidFill>
                   <a:schemeClr val="bg1"/>
                 </a:solidFill>
               </a:rPr>
               <a:t>liệu</a:t>
             </a:r>
-            <a:endParaRPr lang="en-US" sz="1400" dirty="0">
+            <a:endParaRPr lang="en-US" sz="1600" dirty="0">
               <a:solidFill>
                 <a:schemeClr val="bg1"/>
               </a:solidFill>
@@ -13272,7 +13262,7 @@
         <p:spPr>
           <a:xfrm>
             <a:off x="1318725" y="4290326"/>
-            <a:ext cx="6919928" cy="307777"/>
+            <a:ext cx="6919928" cy="338554"/>
           </a:xfrm>
           <a:prstGeom prst="rect">
             <a:avLst/>
@@ -13286,7 +13276,7 @@
           <a:lstStyle/>
           <a:p>
             <a:r>
-              <a:rPr lang="en-US" sz="1400" dirty="0" err="1" smtClean="0">
+              <a:rPr lang="en-US" sz="1600" dirty="0" err="1" smtClean="0">
                 <a:solidFill>
                   <a:schemeClr val="bg1"/>
                 </a:solidFill>
@@ -13294,7 +13284,7 @@
               <a:t>Cách</a:t>
             </a:r>
             <a:r>
-              <a:rPr lang="en-US" sz="1400" dirty="0" smtClean="0">
+              <a:rPr lang="en-US" sz="1600" dirty="0" smtClean="0">
                 <a:solidFill>
                   <a:schemeClr val="bg1"/>
                 </a:solidFill>
@@ -13302,7 +13292,7 @@
               <a:t>  </a:t>
             </a:r>
             <a:r>
-              <a:rPr lang="en-US" sz="1400" dirty="0" err="1" smtClean="0">
+              <a:rPr lang="en-US" sz="1600" dirty="0" err="1" smtClean="0">
                 <a:solidFill>
                   <a:schemeClr val="bg1"/>
                 </a:solidFill>
@@ -13310,7 +13300,7 @@
               <a:t>tạo</a:t>
             </a:r>
             <a:r>
-              <a:rPr lang="en-US" sz="1400" dirty="0" smtClean="0">
+              <a:rPr lang="en-US" sz="1600" dirty="0" smtClean="0">
                 <a:solidFill>
                   <a:schemeClr val="bg1"/>
                 </a:solidFill>
@@ -13318,7 +13308,7 @@
               <a:t> table </a:t>
             </a:r>
             <a:r>
-              <a:rPr lang="en-US" sz="1400" dirty="0" err="1" smtClean="0">
+              <a:rPr lang="en-US" sz="1600" dirty="0" err="1" smtClean="0">
                 <a:solidFill>
                   <a:schemeClr val="bg1"/>
                 </a:solidFill>
@@ -13326,7 +13316,7 @@
               <a:t>và</a:t>
             </a:r>
             <a:r>
-              <a:rPr lang="en-US" sz="1400" dirty="0" smtClean="0">
+              <a:rPr lang="en-US" sz="1600" dirty="0" smtClean="0">
                 <a:solidFill>
                   <a:schemeClr val="bg1"/>
                 </a:solidFill>
@@ -13334,7 +13324,7 @@
               <a:t> </a:t>
             </a:r>
             <a:r>
-              <a:rPr lang="en-US" sz="1400" dirty="0" err="1" smtClean="0">
+              <a:rPr lang="en-US" sz="1600" dirty="0" err="1" smtClean="0">
                 <a:solidFill>
                   <a:schemeClr val="bg1"/>
                 </a:solidFill>
@@ -13342,7 +13332,7 @@
               <a:t>thay</a:t>
             </a:r>
             <a:r>
-              <a:rPr lang="en-US" sz="1400" dirty="0" smtClean="0">
+              <a:rPr lang="en-US" sz="1600" dirty="0" smtClean="0">
                 <a:solidFill>
                   <a:schemeClr val="bg1"/>
                 </a:solidFill>
@@ -13350,7 +13340,7 @@
               <a:t> </a:t>
             </a:r>
             <a:r>
-              <a:rPr lang="en-US" sz="1400" dirty="0" err="1" smtClean="0">
+              <a:rPr lang="en-US" sz="1600" dirty="0" err="1" smtClean="0">
                 <a:solidFill>
                   <a:schemeClr val="bg1"/>
                 </a:solidFill>
@@ -13358,7 +13348,7 @@
               <a:t>đổi</a:t>
             </a:r>
             <a:r>
-              <a:rPr lang="en-US" sz="1400" dirty="0" smtClean="0">
+              <a:rPr lang="en-US" sz="1600" dirty="0" smtClean="0">
                 <a:solidFill>
                   <a:schemeClr val="bg1"/>
                 </a:solidFill>
@@ -13366,7 +13356,7 @@
               <a:t> </a:t>
             </a:r>
             <a:r>
-              <a:rPr lang="en-US" sz="1400" dirty="0" err="1" smtClean="0">
+              <a:rPr lang="en-US" sz="1600" dirty="0" err="1" smtClean="0">
                 <a:solidFill>
                   <a:schemeClr val="bg1"/>
                 </a:solidFill>
@@ -13374,7 +13364,7 @@
               <a:t>cấu</a:t>
             </a:r>
             <a:r>
-              <a:rPr lang="en-US" sz="1400" dirty="0" smtClean="0">
+              <a:rPr lang="en-US" sz="1600" dirty="0" smtClean="0">
                 <a:solidFill>
                   <a:schemeClr val="bg1"/>
                 </a:solidFill>
@@ -13382,7 +13372,7 @@
               <a:t> </a:t>
             </a:r>
             <a:r>
-              <a:rPr lang="en-US" sz="1400" dirty="0" err="1" smtClean="0">
+              <a:rPr lang="en-US" sz="1600" dirty="0" err="1" smtClean="0">
                 <a:solidFill>
                   <a:schemeClr val="bg1"/>
                 </a:solidFill>
@@ -13390,7 +13380,7 @@
               <a:t>trúc</a:t>
             </a:r>
             <a:r>
-              <a:rPr lang="en-US" sz="1400" dirty="0" smtClean="0">
+              <a:rPr lang="en-US" sz="1600" dirty="0" smtClean="0">
                 <a:solidFill>
                   <a:schemeClr val="bg1"/>
                 </a:solidFill>
@@ -13398,7 +13388,7 @@
               <a:t> </a:t>
             </a:r>
             <a:r>
-              <a:rPr lang="en-US" sz="1400" dirty="0" err="1" smtClean="0">
+              <a:rPr lang="en-US" sz="1600" dirty="0" err="1" smtClean="0">
                 <a:solidFill>
                   <a:schemeClr val="bg1"/>
                 </a:solidFill>
@@ -13406,14 +13396,14 @@
               <a:t>một</a:t>
             </a:r>
             <a:r>
-              <a:rPr lang="en-US" sz="1400" dirty="0" smtClean="0">
+              <a:rPr lang="en-US" sz="1600" dirty="0" smtClean="0">
                 <a:solidFill>
                   <a:schemeClr val="bg1"/>
                 </a:solidFill>
               </a:rPr>
               <a:t> table</a:t>
             </a:r>
-            <a:endParaRPr lang="en-US" sz="1400" dirty="0">
+            <a:endParaRPr lang="en-US" sz="1600" dirty="0">
               <a:solidFill>
                 <a:schemeClr val="bg1"/>
               </a:solidFill>
@@ -13583,7 +13573,7 @@
         <p:spPr>
           <a:xfrm>
             <a:off x="1318725" y="5041764"/>
-            <a:ext cx="6919928" cy="307777"/>
+            <a:ext cx="6919928" cy="338554"/>
           </a:xfrm>
           <a:prstGeom prst="rect">
             <a:avLst/>
@@ -13597,7 +13587,7 @@
           <a:lstStyle/>
           <a:p>
             <a:r>
-              <a:rPr lang="en-US" sz="1400" dirty="0" smtClean="0">
+              <a:rPr lang="en-US" sz="1600" dirty="0" smtClean="0">
                 <a:solidFill>
                   <a:schemeClr val="bg1"/>
                 </a:solidFill>
@@ -13605,7 +13595,7 @@
               <a:t>Thao </a:t>
             </a:r>
             <a:r>
-              <a:rPr lang="en-US" sz="1400" dirty="0" err="1" smtClean="0">
+              <a:rPr lang="en-US" sz="1600" dirty="0" err="1" smtClean="0">
                 <a:solidFill>
                   <a:schemeClr val="bg1"/>
                 </a:solidFill>
@@ -13613,7 +13603,7 @@
               <a:t>tác</a:t>
             </a:r>
             <a:r>
-              <a:rPr lang="en-US" sz="1400" dirty="0" smtClean="0">
+              <a:rPr lang="en-US" sz="1600" dirty="0" smtClean="0">
                 <a:solidFill>
                   <a:schemeClr val="bg1"/>
                 </a:solidFill>
@@ -13621,7 +13611,7 @@
               <a:t> </a:t>
             </a:r>
             <a:r>
-              <a:rPr lang="en-US" sz="1400" dirty="0" err="1" smtClean="0">
+              <a:rPr lang="en-US" sz="1600" dirty="0" err="1" smtClean="0">
                 <a:solidFill>
                   <a:schemeClr val="bg1"/>
                 </a:solidFill>
@@ -13629,7 +13619,7 @@
               <a:t>với</a:t>
             </a:r>
             <a:r>
-              <a:rPr lang="en-US" sz="1400" dirty="0" smtClean="0">
+              <a:rPr lang="en-US" sz="1600" dirty="0" smtClean="0">
                 <a:solidFill>
                   <a:schemeClr val="bg1"/>
                 </a:solidFill>
@@ -13637,7 +13627,7 @@
               <a:t> </a:t>
             </a:r>
             <a:r>
-              <a:rPr lang="en-US" sz="1400" dirty="0" err="1" smtClean="0">
+              <a:rPr lang="en-US" sz="1600" dirty="0" err="1" smtClean="0">
                 <a:solidFill>
                   <a:schemeClr val="bg1"/>
                 </a:solidFill>
@@ -13645,7 +13635,7 @@
               <a:t>lệnh</a:t>
             </a:r>
             <a:r>
-              <a:rPr lang="en-US" sz="1400" dirty="0" smtClean="0">
+              <a:rPr lang="en-US" sz="1600" dirty="0" smtClean="0">
                 <a:solidFill>
                   <a:schemeClr val="bg1"/>
                 </a:solidFill>
@@ -13653,7 +13643,7 @@
               <a:t> Query Tool </a:t>
             </a:r>
             <a:r>
-              <a:rPr lang="en-US" sz="1400" dirty="0" err="1" smtClean="0">
+              <a:rPr lang="en-US" sz="1600" dirty="0" err="1" smtClean="0">
                 <a:solidFill>
                   <a:schemeClr val="bg1"/>
                 </a:solidFill>
@@ -13661,7 +13651,7 @@
               <a:t>và</a:t>
             </a:r>
             <a:r>
-              <a:rPr lang="en-US" sz="1400" dirty="0" smtClean="0">
+              <a:rPr lang="en-US" sz="1600" dirty="0" smtClean="0">
                 <a:solidFill>
                   <a:schemeClr val="bg1"/>
                 </a:solidFill>
@@ -13669,7 +13659,7 @@
               <a:t> </a:t>
             </a:r>
             <a:r>
-              <a:rPr lang="en-US" sz="1400" dirty="0" err="1" smtClean="0">
+              <a:rPr lang="en-US" sz="1600" dirty="0" err="1" smtClean="0">
                 <a:solidFill>
                   <a:schemeClr val="bg1"/>
                 </a:solidFill>
@@ -13677,7 +13667,7 @@
               <a:t>giao</a:t>
             </a:r>
             <a:r>
-              <a:rPr lang="en-US" sz="1400" dirty="0" smtClean="0">
+              <a:rPr lang="en-US" sz="1600" dirty="0" smtClean="0">
                 <a:solidFill>
                   <a:schemeClr val="bg1"/>
                 </a:solidFill>
@@ -13685,7 +13675,7 @@
               <a:t> </a:t>
             </a:r>
             <a:r>
-              <a:rPr lang="en-US" sz="1400" dirty="0" err="1" smtClean="0">
+              <a:rPr lang="en-US" sz="1600" dirty="0" err="1" smtClean="0">
                 <a:solidFill>
                   <a:schemeClr val="bg1"/>
                 </a:solidFill>
@@ -13693,7 +13683,7 @@
               <a:t>diện</a:t>
             </a:r>
             <a:r>
-              <a:rPr lang="en-US" sz="1400" dirty="0" smtClean="0">
+              <a:rPr lang="en-US" sz="1600" dirty="0" smtClean="0">
                 <a:solidFill>
                   <a:schemeClr val="bg1"/>
                 </a:solidFill>
@@ -13701,7 +13691,7 @@
               <a:t> </a:t>
             </a:r>
             <a:r>
-              <a:rPr lang="en-US" sz="1400" dirty="0" err="1" smtClean="0">
+              <a:rPr lang="en-US" sz="1600" dirty="0" err="1" smtClean="0">
                 <a:solidFill>
                   <a:schemeClr val="bg1"/>
                 </a:solidFill>
@@ -13709,7 +13699,7 @@
               <a:t>đồ</a:t>
             </a:r>
             <a:r>
-              <a:rPr lang="en-US" sz="1400" dirty="0" smtClean="0">
+              <a:rPr lang="en-US" sz="1600" dirty="0" smtClean="0">
                 <a:solidFill>
                   <a:schemeClr val="bg1"/>
                 </a:solidFill>
@@ -13717,7 +13707,7 @@
               <a:t> </a:t>
             </a:r>
             <a:r>
-              <a:rPr lang="en-US" sz="1400" dirty="0" err="1" smtClean="0">
+              <a:rPr lang="en-US" sz="1600" dirty="0" err="1" smtClean="0">
                 <a:solidFill>
                   <a:schemeClr val="bg1"/>
                 </a:solidFill>
@@ -13725,7 +13715,7 @@
               <a:t>họa</a:t>
             </a:r>
             <a:r>
-              <a:rPr lang="en-US" sz="1400" dirty="0" smtClean="0">
+              <a:rPr lang="en-US" sz="1600" dirty="0" smtClean="0">
                 <a:solidFill>
                   <a:schemeClr val="bg1"/>
                 </a:solidFill>
@@ -13733,7 +13723,7 @@
               <a:t> GUI </a:t>
             </a:r>
             <a:r>
-              <a:rPr lang="en-US" sz="1400" dirty="0" err="1" smtClean="0">
+              <a:rPr lang="en-US" sz="1600" dirty="0" err="1" smtClean="0">
                 <a:solidFill>
                   <a:schemeClr val="bg1"/>
                 </a:solidFill>
@@ -13741,7 +13731,7 @@
               <a:t>trong</a:t>
             </a:r>
             <a:r>
-              <a:rPr lang="en-US" sz="1400" dirty="0" smtClean="0">
+              <a:rPr lang="en-US" sz="1600" dirty="0" smtClean="0">
                 <a:solidFill>
                   <a:schemeClr val="bg1"/>
                 </a:solidFill>
@@ -13749,14 +13739,14 @@
               <a:t> </a:t>
             </a:r>
             <a:r>
-              <a:rPr lang="en-US" sz="1400" dirty="0" err="1" smtClean="0">
+              <a:rPr lang="en-US" sz="1600" dirty="0" err="1" smtClean="0">
                 <a:solidFill>
                   <a:schemeClr val="bg1"/>
                 </a:solidFill>
               </a:rPr>
               <a:t>pgAdmin</a:t>
             </a:r>
-            <a:endParaRPr lang="en-US" sz="1400" dirty="0">
+            <a:endParaRPr lang="en-US" sz="1600" dirty="0">
               <a:solidFill>
                 <a:schemeClr val="bg1"/>
               </a:solidFill>
@@ -18561,18 +18551,7 @@
                 </a:solidFill>
                 <a:sym typeface="Wingdings" panose="05000000000000000000" pitchFamily="2" charset="2"/>
               </a:rPr>
-              <a:t>  </a:t>
-            </a:r>
-            <a:r>
-              <a:rPr lang="en-US" sz="1400" i="1" dirty="0" smtClean="0">
-                <a:solidFill>
-                  <a:schemeClr val="accent5">
-                    <a:lumMod val="75000"/>
-                  </a:schemeClr>
-                </a:solidFill>
-                <a:sym typeface="Wingdings" panose="05000000000000000000" pitchFamily="2" charset="2"/>
-              </a:rPr>
-              <a:t>Varchar(10), </a:t>
+              <a:t>  Varchar(10), </a:t>
             </a:r>
             <a:r>
               <a:rPr lang="en-US" sz="1400" i="1" dirty="0" err="1" smtClean="0">
